--- a/Presentation.pptx
+++ b/Presentation.pptx
@@ -10,7 +10,8 @@
     <p:sldId id="258" r:id="rId4"/>
     <p:sldId id="259" r:id="rId5"/>
     <p:sldId id="260" r:id="rId6"/>
-    <p:sldId id="261" r:id="rId7"/>
+    <p:sldId id="262" r:id="rId7"/>
+    <p:sldId id="261" r:id="rId8"/>
   </p:sldIdLst>
   <p:sldSz cx="9144000" cy="6858000" type="screen4x3"/>
   <p:notesSz cx="6858000" cy="9144000"/>
@@ -770,6 +771,7 @@
           <a:p>
             <a:fld id="{088CD7CE-EC2C-4791-90CA-645744AD9FD3}" type="datetimeFigureOut">
               <a:rPr lang="en-CA" smtClean="0"/>
+              <a:pPr/>
               <a:t>03/04/2016</a:t>
             </a:fld>
             <a:endParaRPr lang="en-CA"/>
@@ -830,6 +832,7 @@
           <a:p>
             <a:fld id="{4903144E-0BE5-4B84-B4D0-EAEF5D474118}" type="slidenum">
               <a:rPr lang="en-CA" smtClean="0"/>
+              <a:pPr/>
               <a:t>‹#›</a:t>
             </a:fld>
             <a:endParaRPr lang="en-CA"/>
@@ -953,6 +956,7 @@
           <a:p>
             <a:fld id="{088CD7CE-EC2C-4791-90CA-645744AD9FD3}" type="datetimeFigureOut">
               <a:rPr lang="en-CA" smtClean="0"/>
+              <a:pPr/>
               <a:t>03/04/2016</a:t>
             </a:fld>
             <a:endParaRPr lang="en-CA"/>
@@ -995,6 +999,7 @@
           <a:p>
             <a:fld id="{4903144E-0BE5-4B84-B4D0-EAEF5D474118}" type="slidenum">
               <a:rPr lang="en-CA" smtClean="0"/>
+              <a:pPr/>
               <a:t>‹#›</a:t>
             </a:fld>
             <a:endParaRPr lang="en-CA"/>
@@ -1128,6 +1133,7 @@
           <a:p>
             <a:fld id="{088CD7CE-EC2C-4791-90CA-645744AD9FD3}" type="datetimeFigureOut">
               <a:rPr lang="en-CA" smtClean="0"/>
+              <a:pPr/>
               <a:t>03/04/2016</a:t>
             </a:fld>
             <a:endParaRPr lang="en-CA"/>
@@ -1170,6 +1176,7 @@
           <a:p>
             <a:fld id="{4903144E-0BE5-4B84-B4D0-EAEF5D474118}" type="slidenum">
               <a:rPr lang="en-CA" smtClean="0"/>
+              <a:pPr/>
               <a:t>‹#›</a:t>
             </a:fld>
             <a:endParaRPr lang="en-CA"/>
@@ -1293,6 +1300,7 @@
           <a:p>
             <a:fld id="{088CD7CE-EC2C-4791-90CA-645744AD9FD3}" type="datetimeFigureOut">
               <a:rPr lang="en-CA" smtClean="0"/>
+              <a:pPr/>
               <a:t>03/04/2016</a:t>
             </a:fld>
             <a:endParaRPr lang="en-CA"/>
@@ -1335,6 +1343,7 @@
           <a:p>
             <a:fld id="{4903144E-0BE5-4B84-B4D0-EAEF5D474118}" type="slidenum">
               <a:rPr lang="en-CA" smtClean="0"/>
+              <a:pPr/>
               <a:t>‹#›</a:t>
             </a:fld>
             <a:endParaRPr lang="en-CA"/>
@@ -1514,6 +1523,7 @@
           <a:p>
             <a:fld id="{088CD7CE-EC2C-4791-90CA-645744AD9FD3}" type="datetimeFigureOut">
               <a:rPr lang="en-CA" smtClean="0"/>
+              <a:pPr/>
               <a:t>03/04/2016</a:t>
             </a:fld>
             <a:endParaRPr lang="en-CA"/>
@@ -1556,6 +1566,7 @@
           <a:p>
             <a:fld id="{4903144E-0BE5-4B84-B4D0-EAEF5D474118}" type="slidenum">
               <a:rPr lang="en-CA" smtClean="0"/>
+              <a:pPr/>
               <a:t>‹#›</a:t>
             </a:fld>
             <a:endParaRPr lang="en-CA"/>
@@ -1773,6 +1784,7 @@
           <a:p>
             <a:fld id="{088CD7CE-EC2C-4791-90CA-645744AD9FD3}" type="datetimeFigureOut">
               <a:rPr lang="en-CA" smtClean="0"/>
+              <a:pPr/>
               <a:t>03/04/2016</a:t>
             </a:fld>
             <a:endParaRPr lang="en-CA"/>
@@ -1815,6 +1827,7 @@
           <a:p>
             <a:fld id="{4903144E-0BE5-4B84-B4D0-EAEF5D474118}" type="slidenum">
               <a:rPr lang="en-CA" smtClean="0"/>
+              <a:pPr/>
               <a:t>‹#›</a:t>
             </a:fld>
             <a:endParaRPr lang="en-CA"/>
@@ -2177,6 +2190,7 @@
           <a:p>
             <a:fld id="{088CD7CE-EC2C-4791-90CA-645744AD9FD3}" type="datetimeFigureOut">
               <a:rPr lang="en-CA" smtClean="0"/>
+              <a:pPr/>
               <a:t>03/04/2016</a:t>
             </a:fld>
             <a:endParaRPr lang="en-CA"/>
@@ -2200,6 +2214,7 @@
           <a:p>
             <a:fld id="{4903144E-0BE5-4B84-B4D0-EAEF5D474118}" type="slidenum">
               <a:rPr lang="en-CA" smtClean="0"/>
+              <a:pPr/>
               <a:t>‹#›</a:t>
             </a:fld>
             <a:endParaRPr lang="en-CA"/>
@@ -2308,6 +2323,7 @@
           <a:p>
             <a:fld id="{088CD7CE-EC2C-4791-90CA-645744AD9FD3}" type="datetimeFigureOut">
               <a:rPr lang="en-CA" smtClean="0"/>
+              <a:pPr/>
               <a:t>03/04/2016</a:t>
             </a:fld>
             <a:endParaRPr lang="en-CA"/>
@@ -2360,6 +2376,7 @@
           <a:p>
             <a:fld id="{4903144E-0BE5-4B84-B4D0-EAEF5D474118}" type="slidenum">
               <a:rPr lang="en-CA" smtClean="0"/>
+              <a:pPr/>
               <a:t>‹#›</a:t>
             </a:fld>
             <a:endParaRPr lang="en-CA"/>
@@ -2408,6 +2425,7 @@
           <a:p>
             <a:fld id="{088CD7CE-EC2C-4791-90CA-645744AD9FD3}" type="datetimeFigureOut">
               <a:rPr lang="en-CA" smtClean="0"/>
+              <a:pPr/>
               <a:t>03/04/2016</a:t>
             </a:fld>
             <a:endParaRPr lang="en-CA"/>
@@ -2450,6 +2468,7 @@
           <a:p>
             <a:fld id="{4903144E-0BE5-4B84-B4D0-EAEF5D474118}" type="slidenum">
               <a:rPr lang="en-CA" smtClean="0"/>
+              <a:pPr/>
               <a:t>‹#›</a:t>
             </a:fld>
             <a:endParaRPr lang="en-CA"/>
@@ -2653,6 +2672,7 @@
           <a:p>
             <a:fld id="{088CD7CE-EC2C-4791-90CA-645744AD9FD3}" type="datetimeFigureOut">
               <a:rPr lang="en-CA" smtClean="0"/>
+              <a:pPr/>
               <a:t>03/04/2016</a:t>
             </a:fld>
             <a:endParaRPr lang="en-CA"/>
@@ -2695,6 +2715,7 @@
           <a:p>
             <a:fld id="{4903144E-0BE5-4B84-B4D0-EAEF5D474118}" type="slidenum">
               <a:rPr lang="en-CA" smtClean="0"/>
+              <a:pPr/>
               <a:t>‹#›</a:t>
             </a:fld>
             <a:endParaRPr lang="en-CA"/>
@@ -2897,6 +2918,7 @@
           <a:p>
             <a:fld id="{088CD7CE-EC2C-4791-90CA-645744AD9FD3}" type="datetimeFigureOut">
               <a:rPr lang="en-CA" smtClean="0"/>
+              <a:pPr/>
               <a:t>03/04/2016</a:t>
             </a:fld>
             <a:endParaRPr lang="en-CA"/>
@@ -2939,6 +2961,7 @@
           <a:p>
             <a:fld id="{4903144E-0BE5-4B84-B4D0-EAEF5D474118}" type="slidenum">
               <a:rPr lang="en-CA" smtClean="0"/>
+              <a:pPr/>
               <a:t>‹#›</a:t>
             </a:fld>
             <a:endParaRPr lang="en-CA"/>
@@ -3721,6 +3744,7 @@
           <a:p>
             <a:fld id="{088CD7CE-EC2C-4791-90CA-645744AD9FD3}" type="datetimeFigureOut">
               <a:rPr lang="en-CA" smtClean="0"/>
+              <a:pPr/>
               <a:t>03/04/2016</a:t>
             </a:fld>
             <a:endParaRPr lang="en-CA"/>
@@ -3795,6 +3819,7 @@
           <a:p>
             <a:fld id="{4903144E-0BE5-4B84-B4D0-EAEF5D474118}" type="slidenum">
               <a:rPr lang="en-CA" smtClean="0"/>
+              <a:pPr/>
               <a:t>‹#›</a:t>
             </a:fld>
             <a:endParaRPr lang="en-CA"/>
@@ -4264,20 +4289,11 @@
               <a:rPr lang="en-CA" dirty="0" smtClean="0"/>
               <a:t>EV-Go is a web application for electric car drivers. </a:t>
             </a:r>
-            <a:endParaRPr lang="en-CA" dirty="0" smtClean="0"/>
           </a:p>
           <a:p>
             <a:r>
               <a:rPr lang="en-CA" dirty="0" smtClean="0"/>
-              <a:t>It </a:t>
-            </a:r>
-            <a:r>
-              <a:rPr lang="en-CA" dirty="0" smtClean="0"/>
-              <a:t>allows them to plan trips with their electric car, creating a route that passes through charging stations</a:t>
-            </a:r>
-            <a:r>
-              <a:rPr lang="en-CA" dirty="0" smtClean="0"/>
-              <a:t>. </a:t>
+              <a:t>It allows them to plan trips with their electric car, creating a route that passes through charging stations. </a:t>
             </a:r>
           </a:p>
           <a:p>
@@ -4479,15 +4495,7 @@
           <a:p>
             <a:r>
               <a:rPr lang="en-US" dirty="0" smtClean="0"/>
-              <a:t>NPM (</a:t>
-            </a:r>
-            <a:r>
-              <a:rPr lang="en-US" dirty="0" smtClean="0"/>
-              <a:t>d</a:t>
-            </a:r>
-            <a:r>
-              <a:rPr lang="en-US" dirty="0" smtClean="0"/>
-              <a:t>ependency management)</a:t>
+              <a:t>NPM (dependency management)</a:t>
             </a:r>
           </a:p>
           <a:p>
@@ -4657,11 +4665,7 @@
             </a:r>
             <a:r>
               <a:rPr lang="en-US" dirty="0" smtClean="0"/>
-              <a:t> </a:t>
-            </a:r>
-            <a:r>
-              <a:rPr lang="en-US" dirty="0" smtClean="0"/>
-              <a:t>server</a:t>
+              <a:t> server</a:t>
             </a:r>
             <a:endParaRPr lang="en-CA" dirty="0" smtClean="0"/>
           </a:p>
@@ -4676,6 +4680,80 @@
 </file>
 
 <file path=ppt/slides/slide6.xml><?xml version="1.0" encoding="utf-8"?>
+<p:sld xmlns:a="http://schemas.openxmlformats.org/drawingml/2006/main" xmlns:r="http://schemas.openxmlformats.org/officeDocument/2006/relationships" xmlns:p="http://schemas.openxmlformats.org/presentationml/2006/main">
+  <p:cSld>
+    <p:spTree>
+      <p:nvGrpSpPr>
+        <p:cNvPr id="1" name=""/>
+        <p:cNvGrpSpPr/>
+        <p:nvPr/>
+      </p:nvGrpSpPr>
+      <p:grpSpPr>
+        <a:xfrm>
+          <a:off x="0" y="0"/>
+          <a:ext cx="0" cy="0"/>
+          <a:chOff x="0" y="0"/>
+          <a:chExt cx="0" cy="0"/>
+        </a:xfrm>
+      </p:grpSpPr>
+      <p:sp>
+        <p:nvSpPr>
+          <p:cNvPr id="2" name="Title 1"/>
+          <p:cNvSpPr>
+            <a:spLocks noGrp="1"/>
+          </p:cNvSpPr>
+          <p:nvPr>
+            <p:ph type="title"/>
+          </p:nvPr>
+        </p:nvSpPr>
+        <p:spPr/>
+        <p:txBody>
+          <a:bodyPr/>
+          <a:lstStyle/>
+          <a:p>
+            <a:r>
+              <a:rPr lang="en-US" dirty="0" smtClean="0"/>
+              <a:t>Architecture - Overview</a:t>
+            </a:r>
+            <a:endParaRPr lang="en-CA" dirty="0"/>
+          </a:p>
+        </p:txBody>
+      </p:sp>
+      <p:pic>
+        <p:nvPicPr>
+          <p:cNvPr id="1028" name="Picture 4" descr="https://scontent-ord1-1.xx.fbcdn.net/hphotos-xpl1/v/t34.0-12/12939480_10206207703927849_1613649252_n.png?oh=6370a9ccbedf4a7611ff28a861e7a7e0&amp;oe=5703E8E6"/>
+          <p:cNvPicPr>
+            <a:picLocks noChangeAspect="1" noChangeArrowheads="1"/>
+          </p:cNvPicPr>
+          <p:nvPr/>
+        </p:nvPicPr>
+        <p:blipFill>
+          <a:blip r:embed="rId2" cstate="print"/>
+          <a:srcRect/>
+          <a:stretch>
+            <a:fillRect/>
+          </a:stretch>
+        </p:blipFill>
+        <p:spPr bwMode="auto">
+          <a:xfrm>
+            <a:off x="1411373" y="2132856"/>
+            <a:ext cx="6301162" cy="4277252"/>
+          </a:xfrm>
+          <a:prstGeom prst="rect">
+            <a:avLst/>
+          </a:prstGeom>
+          <a:noFill/>
+        </p:spPr>
+      </p:pic>
+    </p:spTree>
+  </p:cSld>
+  <p:clrMapOvr>
+    <a:masterClrMapping/>
+  </p:clrMapOvr>
+</p:sld>
+</file>
+
+<file path=ppt/slides/slide7.xml><?xml version="1.0" encoding="utf-8"?>
 <p:sld xmlns:a="http://schemas.openxmlformats.org/drawingml/2006/main" xmlns:r="http://schemas.openxmlformats.org/officeDocument/2006/relationships" xmlns:p="http://schemas.openxmlformats.org/presentationml/2006/main">
   <p:cSld>
     <p:spTree>

--- a/Presentation.pptx
+++ b/Presentation.pptx
@@ -12,6 +12,8 @@
     <p:sldId id="260" r:id="rId6"/>
     <p:sldId id="262" r:id="rId7"/>
     <p:sldId id="261" r:id="rId8"/>
+    <p:sldId id="263" r:id="rId9"/>
+    <p:sldId id="264" r:id="rId10"/>
   </p:sldIdLst>
   <p:sldSz cx="9144000" cy="6858000" type="screen4x3"/>
   <p:notesSz cx="6858000" cy="9144000"/>
@@ -772,7 +774,7 @@
             <a:fld id="{088CD7CE-EC2C-4791-90CA-645744AD9FD3}" type="datetimeFigureOut">
               <a:rPr lang="en-CA" smtClean="0"/>
               <a:pPr/>
-              <a:t>03/04/2016</a:t>
+              <a:t>04/04/2016</a:t>
             </a:fld>
             <a:endParaRPr lang="en-CA"/>
           </a:p>
@@ -957,7 +959,7 @@
             <a:fld id="{088CD7CE-EC2C-4791-90CA-645744AD9FD3}" type="datetimeFigureOut">
               <a:rPr lang="en-CA" smtClean="0"/>
               <a:pPr/>
-              <a:t>03/04/2016</a:t>
+              <a:t>04/04/2016</a:t>
             </a:fld>
             <a:endParaRPr lang="en-CA"/>
           </a:p>
@@ -1134,7 +1136,7 @@
             <a:fld id="{088CD7CE-EC2C-4791-90CA-645744AD9FD3}" type="datetimeFigureOut">
               <a:rPr lang="en-CA" smtClean="0"/>
               <a:pPr/>
-              <a:t>03/04/2016</a:t>
+              <a:t>04/04/2016</a:t>
             </a:fld>
             <a:endParaRPr lang="en-CA"/>
           </a:p>
@@ -1301,7 +1303,7 @@
             <a:fld id="{088CD7CE-EC2C-4791-90CA-645744AD9FD3}" type="datetimeFigureOut">
               <a:rPr lang="en-CA" smtClean="0"/>
               <a:pPr/>
-              <a:t>03/04/2016</a:t>
+              <a:t>04/04/2016</a:t>
             </a:fld>
             <a:endParaRPr lang="en-CA"/>
           </a:p>
@@ -1524,7 +1526,7 @@
             <a:fld id="{088CD7CE-EC2C-4791-90CA-645744AD9FD3}" type="datetimeFigureOut">
               <a:rPr lang="en-CA" smtClean="0"/>
               <a:pPr/>
-              <a:t>03/04/2016</a:t>
+              <a:t>04/04/2016</a:t>
             </a:fld>
             <a:endParaRPr lang="en-CA"/>
           </a:p>
@@ -1785,7 +1787,7 @@
             <a:fld id="{088CD7CE-EC2C-4791-90CA-645744AD9FD3}" type="datetimeFigureOut">
               <a:rPr lang="en-CA" smtClean="0"/>
               <a:pPr/>
-              <a:t>03/04/2016</a:t>
+              <a:t>04/04/2016</a:t>
             </a:fld>
             <a:endParaRPr lang="en-CA"/>
           </a:p>
@@ -2191,7 +2193,7 @@
             <a:fld id="{088CD7CE-EC2C-4791-90CA-645744AD9FD3}" type="datetimeFigureOut">
               <a:rPr lang="en-CA" smtClean="0"/>
               <a:pPr/>
-              <a:t>03/04/2016</a:t>
+              <a:t>04/04/2016</a:t>
             </a:fld>
             <a:endParaRPr lang="en-CA"/>
           </a:p>
@@ -2324,7 +2326,7 @@
             <a:fld id="{088CD7CE-EC2C-4791-90CA-645744AD9FD3}" type="datetimeFigureOut">
               <a:rPr lang="en-CA" smtClean="0"/>
               <a:pPr/>
-              <a:t>03/04/2016</a:t>
+              <a:t>04/04/2016</a:t>
             </a:fld>
             <a:endParaRPr lang="en-CA"/>
           </a:p>
@@ -2426,7 +2428,7 @@
             <a:fld id="{088CD7CE-EC2C-4791-90CA-645744AD9FD3}" type="datetimeFigureOut">
               <a:rPr lang="en-CA" smtClean="0"/>
               <a:pPr/>
-              <a:t>03/04/2016</a:t>
+              <a:t>04/04/2016</a:t>
             </a:fld>
             <a:endParaRPr lang="en-CA"/>
           </a:p>
@@ -2673,7 +2675,7 @@
             <a:fld id="{088CD7CE-EC2C-4791-90CA-645744AD9FD3}" type="datetimeFigureOut">
               <a:rPr lang="en-CA" smtClean="0"/>
               <a:pPr/>
-              <a:t>03/04/2016</a:t>
+              <a:t>04/04/2016</a:t>
             </a:fld>
             <a:endParaRPr lang="en-CA"/>
           </a:p>
@@ -2919,7 +2921,7 @@
             <a:fld id="{088CD7CE-EC2C-4791-90CA-645744AD9FD3}" type="datetimeFigureOut">
               <a:rPr lang="en-CA" smtClean="0"/>
               <a:pPr/>
-              <a:t>03/04/2016</a:t>
+              <a:t>04/04/2016</a:t>
             </a:fld>
             <a:endParaRPr lang="en-CA"/>
           </a:p>
@@ -3745,7 +3747,7 @@
             <a:fld id="{088CD7CE-EC2C-4791-90CA-645744AD9FD3}" type="datetimeFigureOut">
               <a:rPr lang="en-CA" smtClean="0"/>
               <a:pPr/>
-              <a:t>03/04/2016</a:t>
+              <a:t>04/04/2016</a:t>
             </a:fld>
             <a:endParaRPr lang="en-CA"/>
           </a:p>
@@ -4378,15 +4380,28 @@
             <a:pPr lvl="0"/>
             <a:r>
               <a:rPr lang="en-CA" dirty="0" smtClean="0"/>
-              <a:t>displays map with route through necessary stops</a:t>
+              <a:t>displays map with route through </a:t>
+            </a:r>
+            <a:r>
+              <a:rPr lang="en-CA" dirty="0" smtClean="0"/>
+              <a:t>optimal necessary </a:t>
+            </a:r>
+            <a:r>
+              <a:rPr lang="en-CA" dirty="0" smtClean="0"/>
+              <a:t>stops</a:t>
             </a:r>
           </a:p>
           <a:p>
             <a:pPr lvl="0"/>
             <a:r>
               <a:rPr lang="en-CA" dirty="0" smtClean="0"/>
-              <a:t>can export route to Google maps</a:t>
-            </a:r>
+              <a:t>can export route to Google </a:t>
+            </a:r>
+            <a:r>
+              <a:rPr lang="en-CA" dirty="0" smtClean="0"/>
+              <a:t>Maps</a:t>
+            </a:r>
+            <a:endParaRPr lang="en-CA" dirty="0" smtClean="0"/>
           </a:p>
           <a:p>
             <a:pPr lvl="0"/>
@@ -4504,8 +4519,8 @@
               <a:t>Typescript (statically typed </a:t>
             </a:r>
             <a:r>
-              <a:rPr lang="en-US" dirty="0" err="1" smtClean="0"/>
-              <a:t>Javascript</a:t>
+              <a:rPr lang="en-US" dirty="0" smtClean="0"/>
+              <a:t>JavaScript</a:t>
             </a:r>
             <a:r>
               <a:rPr lang="en-US" dirty="0" smtClean="0"/>
@@ -4577,12 +4592,18 @@
         </p:nvSpPr>
         <p:spPr/>
         <p:txBody>
-          <a:bodyPr/>
+          <a:bodyPr>
+            <a:normAutofit lnSpcReduction="10000"/>
+          </a:bodyPr>
           <a:lstStyle/>
           <a:p>
             <a:r>
               <a:rPr lang="en-US" dirty="0" smtClean="0"/>
-              <a:t>Node.js (API server)</a:t>
+              <a:t>Node.js </a:t>
+            </a:r>
+            <a:r>
+              <a:rPr lang="en-US" dirty="0" smtClean="0"/>
+              <a:t>(API server)</a:t>
             </a:r>
           </a:p>
           <a:p>
@@ -4665,7 +4686,17 @@
             </a:r>
             <a:r>
               <a:rPr lang="en-US" dirty="0" smtClean="0"/>
-              <a:t> server</a:t>
+              <a:t> </a:t>
+            </a:r>
+            <a:r>
+              <a:rPr lang="en-US" dirty="0" smtClean="0"/>
+              <a:t>server</a:t>
+            </a:r>
+          </a:p>
+          <a:p>
+            <a:r>
+              <a:rPr lang="en-US" dirty="0" smtClean="0"/>
+              <a:t>NGIX (HTTP Server)</a:t>
             </a:r>
             <a:endParaRPr lang="en-CA" dirty="0" smtClean="0"/>
           </a:p>
@@ -4797,6 +4828,125 @@
         </p:spPr>
       </p:pic>
     </p:spTree>
+  </p:cSld>
+  <p:clrMapOvr>
+    <a:masterClrMapping/>
+  </p:clrMapOvr>
+</p:sld>
+</file>
+
+<file path=ppt/slides/slide8.xml><?xml version="1.0" encoding="utf-8"?>
+<p:sld xmlns:a="http://schemas.openxmlformats.org/drawingml/2006/main" xmlns:r="http://schemas.openxmlformats.org/officeDocument/2006/relationships" xmlns:p="http://schemas.openxmlformats.org/presentationml/2006/main">
+  <p:cSld>
+    <p:spTree>
+      <p:nvGrpSpPr>
+        <p:cNvPr id="1" name=""/>
+        <p:cNvGrpSpPr/>
+        <p:nvPr/>
+      </p:nvGrpSpPr>
+      <p:grpSpPr>
+        <a:xfrm>
+          <a:off x="0" y="0"/>
+          <a:ext cx="0" cy="0"/>
+          <a:chOff x="0" y="0"/>
+          <a:chExt cx="0" cy="0"/>
+        </a:xfrm>
+      </p:grpSpPr>
+      <p:pic>
+        <p:nvPicPr>
+          <p:cNvPr id="6" name="Picture 5"/>
+          <p:cNvPicPr>
+            <a:picLocks noChangeAspect="1"/>
+          </p:cNvPicPr>
+          <p:nvPr/>
+        </p:nvPicPr>
+        <p:blipFill>
+          <a:blip r:embed="rId2" cstate="print">
+            <a:extLst>
+              <a:ext uri="{28A0092B-C50C-407E-A947-70E740481C1C}">
+                <a14:useLocalDpi xmlns:a14="http://schemas.microsoft.com/office/drawing/2010/main" val="0"/>
+              </a:ext>
+            </a:extLst>
+          </a:blip>
+          <a:stretch>
+            <a:fillRect/>
+          </a:stretch>
+        </p:blipFill>
+        <p:spPr>
+          <a:xfrm>
+            <a:off x="3131840" y="836712"/>
+            <a:ext cx="3175451" cy="5645246"/>
+          </a:xfrm>
+          <a:prstGeom prst="rect">
+            <a:avLst/>
+          </a:prstGeom>
+        </p:spPr>
+      </p:pic>
+    </p:spTree>
+    <p:extLst>
+      <p:ext uri="{BB962C8B-B14F-4D97-AF65-F5344CB8AC3E}">
+        <p14:creationId xmlns:p14="http://schemas.microsoft.com/office/powerpoint/2010/main" val="2572382417"/>
+      </p:ext>
+    </p:extLst>
+  </p:cSld>
+  <p:clrMapOvr>
+    <a:masterClrMapping/>
+  </p:clrMapOvr>
+</p:sld>
+</file>
+
+<file path=ppt/slides/slide9.xml><?xml version="1.0" encoding="utf-8"?>
+<p:sld xmlns:a="http://schemas.openxmlformats.org/drawingml/2006/main" xmlns:r="http://schemas.openxmlformats.org/officeDocument/2006/relationships" xmlns:p="http://schemas.openxmlformats.org/presentationml/2006/main">
+  <p:cSld>
+    <p:spTree>
+      <p:nvGrpSpPr>
+        <p:cNvPr id="1" name=""/>
+        <p:cNvGrpSpPr/>
+        <p:nvPr/>
+      </p:nvGrpSpPr>
+      <p:grpSpPr>
+        <a:xfrm>
+          <a:off x="0" y="0"/>
+          <a:ext cx="0" cy="0"/>
+          <a:chOff x="0" y="0"/>
+          <a:chExt cx="0" cy="0"/>
+        </a:xfrm>
+      </p:grpSpPr>
+      <p:pic>
+        <p:nvPicPr>
+          <p:cNvPr id="4" name="Content Placeholder 3"/>
+          <p:cNvPicPr>
+            <a:picLocks noGrp="1" noChangeAspect="1"/>
+          </p:cNvPicPr>
+          <p:nvPr>
+            <p:ph idx="1"/>
+          </p:nvPr>
+        </p:nvPicPr>
+        <p:blipFill>
+          <a:blip r:embed="rId2" cstate="print">
+            <a:extLst>
+              <a:ext uri="{28A0092B-C50C-407E-A947-70E740481C1C}">
+                <a14:useLocalDpi xmlns:a14="http://schemas.microsoft.com/office/drawing/2010/main" val="0"/>
+              </a:ext>
+            </a:extLst>
+          </a:blip>
+          <a:stretch>
+            <a:fillRect/>
+          </a:stretch>
+        </p:blipFill>
+        <p:spPr>
+          <a:xfrm>
+            <a:off x="2987824" y="692696"/>
+            <a:ext cx="3267637" cy="5809134"/>
+          </a:xfrm>
+        </p:spPr>
+      </p:pic>
+    </p:spTree>
+    <p:extLst>
+      <p:ext uri="{BB962C8B-B14F-4D97-AF65-F5344CB8AC3E}">
+        <p14:creationId xmlns:p14="http://schemas.microsoft.com/office/powerpoint/2010/main" val="371630823"/>
+      </p:ext>
+    </p:extLst>
   </p:cSld>
   <p:clrMapOvr>
     <a:masterClrMapping/>
